--- a/Kitchen Remodel/Kitchen Nook Remodel.pptx
+++ b/Kitchen Remodel/Kitchen Nook Remodel.pptx
@@ -112,10 +112,196 @@
             <a:srgbClr val="A4A3A4"/>
           </p15:clr>
         </p15:guide>
+        <p15:guide id="2" orient="horz" pos="2448">
+          <p15:clr>
+            <a:srgbClr val="A4A3A4"/>
+          </p15:clr>
+        </p15:guide>
       </p15:sldGuideLst>
     </p:ext>
   </p:extLst>
 </p:presentation>
+</file>
+
+<file path=ppt/changesInfos/changesInfo1.xml><?xml version="1.0" encoding="utf-8"?>
+<pc:chgInfo xmlns:a="http://schemas.openxmlformats.org/drawingml/2006/main" xmlns:r="http://schemas.openxmlformats.org/officeDocument/2006/relationships" xmlns:ac="http://schemas.microsoft.com/office/drawing/2013/main/command" xmlns:pc="http://schemas.microsoft.com/office/powerpoint/2013/main/command">
+  <pc:docChgLst>
+    <pc:chgData name="Douglas Jakubowski" userId="f696d6a9a1c60a64" providerId="LiveId" clId="{34388102-52B5-4204-A050-59078BC0CD36}"/>
+    <pc:docChg chg="undo custSel modSld">
+      <pc:chgData name="Douglas Jakubowski" userId="f696d6a9a1c60a64" providerId="LiveId" clId="{34388102-52B5-4204-A050-59078BC0CD36}" dt="2024-12-03T00:22:59.008" v="110" actId="20577"/>
+      <pc:docMkLst>
+        <pc:docMk/>
+      </pc:docMkLst>
+      <pc:sldChg chg="delSp modSp mod">
+        <pc:chgData name="Douglas Jakubowski" userId="f696d6a9a1c60a64" providerId="LiveId" clId="{34388102-52B5-4204-A050-59078BC0CD36}" dt="2024-12-03T00:22:59.008" v="110" actId="20577"/>
+        <pc:sldMkLst>
+          <pc:docMk/>
+          <pc:sldMk cId="1320502235" sldId="257"/>
+        </pc:sldMkLst>
+        <pc:spChg chg="mod">
+          <ac:chgData name="Douglas Jakubowski" userId="f696d6a9a1c60a64" providerId="LiveId" clId="{34388102-52B5-4204-A050-59078BC0CD36}" dt="2024-12-03T00:21:58.103" v="101" actId="1076"/>
+          <ac:spMkLst>
+            <pc:docMk/>
+            <pc:sldMk cId="1320502235" sldId="257"/>
+            <ac:spMk id="5" creationId="{BB4298D6-093E-42D8-86D3-B6E388EC5616}"/>
+          </ac:spMkLst>
+        </pc:spChg>
+        <pc:spChg chg="mod">
+          <ac:chgData name="Douglas Jakubowski" userId="f696d6a9a1c60a64" providerId="LiveId" clId="{34388102-52B5-4204-A050-59078BC0CD36}" dt="2024-12-03T00:22:02.811" v="103" actId="14100"/>
+          <ac:spMkLst>
+            <pc:docMk/>
+            <pc:sldMk cId="1320502235" sldId="257"/>
+            <ac:spMk id="6" creationId="{3E6AD00D-A3E4-4450-B047-928585B59473}"/>
+          </ac:spMkLst>
+        </pc:spChg>
+        <pc:spChg chg="mod">
+          <ac:chgData name="Douglas Jakubowski" userId="f696d6a9a1c60a64" providerId="LiveId" clId="{34388102-52B5-4204-A050-59078BC0CD36}" dt="2024-12-03T00:22:12.771" v="106" actId="1076"/>
+          <ac:spMkLst>
+            <pc:docMk/>
+            <pc:sldMk cId="1320502235" sldId="257"/>
+            <ac:spMk id="7" creationId="{F7304273-EDDB-40D6-9073-C6CCEE3E2741}"/>
+          </ac:spMkLst>
+        </pc:spChg>
+        <pc:spChg chg="mod">
+          <ac:chgData name="Douglas Jakubowski" userId="f696d6a9a1c60a64" providerId="LiveId" clId="{34388102-52B5-4204-A050-59078BC0CD36}" dt="2024-12-03T00:22:17.269" v="108" actId="1076"/>
+          <ac:spMkLst>
+            <pc:docMk/>
+            <pc:sldMk cId="1320502235" sldId="257"/>
+            <ac:spMk id="8" creationId="{32062BD5-5C46-44E8-A38E-36BC0B79DD3E}"/>
+          </ac:spMkLst>
+        </pc:spChg>
+        <pc:spChg chg="mod">
+          <ac:chgData name="Douglas Jakubowski" userId="f696d6a9a1c60a64" providerId="LiveId" clId="{34388102-52B5-4204-A050-59078BC0CD36}" dt="2024-12-03T00:22:15.663" v="107" actId="14100"/>
+          <ac:spMkLst>
+            <pc:docMk/>
+            <pc:sldMk cId="1320502235" sldId="257"/>
+            <ac:spMk id="9" creationId="{BEE61EE5-400E-4C57-B994-0ECE3491A909}"/>
+          </ac:spMkLst>
+        </pc:spChg>
+        <pc:spChg chg="mod">
+          <ac:chgData name="Douglas Jakubowski" userId="f696d6a9a1c60a64" providerId="LiveId" clId="{34388102-52B5-4204-A050-59078BC0CD36}" dt="2024-12-02T23:46:03.351" v="34" actId="1076"/>
+          <ac:spMkLst>
+            <pc:docMk/>
+            <pc:sldMk cId="1320502235" sldId="257"/>
+            <ac:spMk id="10" creationId="{B17FBC8D-BDBF-4872-8596-6C69D11B40BC}"/>
+          </ac:spMkLst>
+        </pc:spChg>
+        <pc:spChg chg="mod">
+          <ac:chgData name="Douglas Jakubowski" userId="f696d6a9a1c60a64" providerId="LiveId" clId="{34388102-52B5-4204-A050-59078BC0CD36}" dt="2024-12-03T00:20:58.320" v="96" actId="1076"/>
+          <ac:spMkLst>
+            <pc:docMk/>
+            <pc:sldMk cId="1320502235" sldId="257"/>
+            <ac:spMk id="11" creationId="{6575BC2A-5338-459A-84BF-EDF059BACECA}"/>
+          </ac:spMkLst>
+        </pc:spChg>
+        <pc:spChg chg="mod">
+          <ac:chgData name="Douglas Jakubowski" userId="f696d6a9a1c60a64" providerId="LiveId" clId="{34388102-52B5-4204-A050-59078BC0CD36}" dt="2024-12-03T00:20:54.675" v="95" actId="1076"/>
+          <ac:spMkLst>
+            <pc:docMk/>
+            <pc:sldMk cId="1320502235" sldId="257"/>
+            <ac:spMk id="12" creationId="{1246811C-0C6F-42BA-8EE1-5EC1C64990B2}"/>
+          </ac:spMkLst>
+        </pc:spChg>
+        <pc:spChg chg="mod">
+          <ac:chgData name="Douglas Jakubowski" userId="f696d6a9a1c60a64" providerId="LiveId" clId="{34388102-52B5-4204-A050-59078BC0CD36}" dt="2024-12-03T00:21:12.922" v="98" actId="1076"/>
+          <ac:spMkLst>
+            <pc:docMk/>
+            <pc:sldMk cId="1320502235" sldId="257"/>
+            <ac:spMk id="13" creationId="{3A9EB545-3EB4-4C3D-B442-DBAFA3B70FEB}"/>
+          </ac:spMkLst>
+        </pc:spChg>
+        <pc:spChg chg="mod">
+          <ac:chgData name="Douglas Jakubowski" userId="f696d6a9a1c60a64" providerId="LiveId" clId="{34388102-52B5-4204-A050-59078BC0CD36}" dt="2024-12-03T00:21:29.965" v="100" actId="1076"/>
+          <ac:spMkLst>
+            <pc:docMk/>
+            <pc:sldMk cId="1320502235" sldId="257"/>
+            <ac:spMk id="14" creationId="{E6F5CDD0-22E3-429C-9237-62F038FC75EE}"/>
+          </ac:spMkLst>
+        </pc:spChg>
+        <pc:spChg chg="mod">
+          <ac:chgData name="Douglas Jakubowski" userId="f696d6a9a1c60a64" providerId="LiveId" clId="{34388102-52B5-4204-A050-59078BC0CD36}" dt="2024-12-03T00:22:19.031" v="109" actId="1076"/>
+          <ac:spMkLst>
+            <pc:docMk/>
+            <pc:sldMk cId="1320502235" sldId="257"/>
+            <ac:spMk id="15" creationId="{BADEC008-EA3A-40E3-9461-EE440495D5A1}"/>
+          </ac:spMkLst>
+        </pc:spChg>
+        <pc:spChg chg="mod">
+          <ac:chgData name="Douglas Jakubowski" userId="f696d6a9a1c60a64" providerId="LiveId" clId="{34388102-52B5-4204-A050-59078BC0CD36}" dt="2024-12-03T00:21:20.619" v="99" actId="1076"/>
+          <ac:spMkLst>
+            <pc:docMk/>
+            <pc:sldMk cId="1320502235" sldId="257"/>
+            <ac:spMk id="16" creationId="{B1EB77CA-04E3-494A-A132-790D17164A63}"/>
+          </ac:spMkLst>
+        </pc:spChg>
+        <pc:spChg chg="mod">
+          <ac:chgData name="Douglas Jakubowski" userId="f696d6a9a1c60a64" providerId="LiveId" clId="{34388102-52B5-4204-A050-59078BC0CD36}" dt="2024-12-03T00:22:00.065" v="102" actId="1076"/>
+          <ac:spMkLst>
+            <pc:docMk/>
+            <pc:sldMk cId="1320502235" sldId="257"/>
+            <ac:spMk id="17" creationId="{04F79A23-5E5C-40EA-A1B2-FD1C4A6F5747}"/>
+          </ac:spMkLst>
+        </pc:spChg>
+        <pc:spChg chg="mod">
+          <ac:chgData name="Douglas Jakubowski" userId="f696d6a9a1c60a64" providerId="LiveId" clId="{34388102-52B5-4204-A050-59078BC0CD36}" dt="2024-12-02T23:46:00.648" v="33" actId="1076"/>
+          <ac:spMkLst>
+            <pc:docMk/>
+            <pc:sldMk cId="1320502235" sldId="257"/>
+            <ac:spMk id="18" creationId="{757AF6C1-0BFB-44EC-AE8D-C8CCBCC8819D}"/>
+          </ac:spMkLst>
+        </pc:spChg>
+        <pc:spChg chg="mod">
+          <ac:chgData name="Douglas Jakubowski" userId="f696d6a9a1c60a64" providerId="LiveId" clId="{34388102-52B5-4204-A050-59078BC0CD36}" dt="2024-12-03T00:22:04.739" v="104" actId="14100"/>
+          <ac:spMkLst>
+            <pc:docMk/>
+            <pc:sldMk cId="1320502235" sldId="257"/>
+            <ac:spMk id="19" creationId="{B1F69243-5C9F-4E04-8A1F-3CFB5E9C0392}"/>
+          </ac:spMkLst>
+        </pc:spChg>
+        <pc:spChg chg="mod">
+          <ac:chgData name="Douglas Jakubowski" userId="f696d6a9a1c60a64" providerId="LiveId" clId="{34388102-52B5-4204-A050-59078BC0CD36}" dt="2024-12-02T23:56:22.731" v="57" actId="14100"/>
+          <ac:spMkLst>
+            <pc:docMk/>
+            <pc:sldMk cId="1320502235" sldId="257"/>
+            <ac:spMk id="20" creationId="{A23AB8AE-16A8-45F9-AC78-BE47EEB479D9}"/>
+          </ac:spMkLst>
+        </pc:spChg>
+        <pc:spChg chg="mod">
+          <ac:chgData name="Douglas Jakubowski" userId="f696d6a9a1c60a64" providerId="LiveId" clId="{34388102-52B5-4204-A050-59078BC0CD36}" dt="2024-12-02T23:56:26.264" v="58" actId="1076"/>
+          <ac:spMkLst>
+            <pc:docMk/>
+            <pc:sldMk cId="1320502235" sldId="257"/>
+            <ac:spMk id="21" creationId="{6D949249-86F2-413E-B3EB-DCA4E2938176}"/>
+          </ac:spMkLst>
+        </pc:spChg>
+        <pc:spChg chg="del">
+          <ac:chgData name="Douglas Jakubowski" userId="f696d6a9a1c60a64" providerId="LiveId" clId="{34388102-52B5-4204-A050-59078BC0CD36}" dt="2024-12-02T23:34:45.225" v="0" actId="478"/>
+          <ac:spMkLst>
+            <pc:docMk/>
+            <pc:sldMk cId="1320502235" sldId="257"/>
+            <ac:spMk id="22" creationId="{F9E03143-5340-4598-89C2-50AD8D2B3DD8}"/>
+          </ac:spMkLst>
+        </pc:spChg>
+        <pc:spChg chg="mod">
+          <ac:chgData name="Douglas Jakubowski" userId="f696d6a9a1c60a64" providerId="LiveId" clId="{34388102-52B5-4204-A050-59078BC0CD36}" dt="2024-12-03T00:22:59.008" v="110" actId="20577"/>
+          <ac:spMkLst>
+            <pc:docMk/>
+            <pc:sldMk cId="1320502235" sldId="257"/>
+            <ac:spMk id="23" creationId="{6E4FB754-5469-4F2A-8426-5CFFC39C90EB}"/>
+          </ac:spMkLst>
+        </pc:spChg>
+        <pc:spChg chg="mod">
+          <ac:chgData name="Douglas Jakubowski" userId="f696d6a9a1c60a64" providerId="LiveId" clId="{34388102-52B5-4204-A050-59078BC0CD36}" dt="2024-12-02T23:46:16.646" v="39" actId="1037"/>
+          <ac:spMkLst>
+            <pc:docMk/>
+            <pc:sldMk cId="1320502235" sldId="257"/>
+            <ac:spMk id="24" creationId="{B2B26855-ACB1-4A64-B51A-8CDBC5C38B86}"/>
+          </ac:spMkLst>
+        </pc:spChg>
+      </pc:sldChg>
+    </pc:docChg>
+  </pc:docChgLst>
+</pc:chgInfo>
 </file>
 
 <file path=ppt/slideLayouts/slideLayout1.xml><?xml version="1.0" encoding="utf-8"?>
@@ -2991,7 +3177,7 @@
         </p:nvSpPr>
         <p:spPr>
           <a:xfrm>
-            <a:off x="457200" y="228600"/>
+            <a:off x="28575" y="228600"/>
             <a:ext cx="304800" cy="6705600"/>
           </a:xfrm>
           <a:prstGeom prst="rect">
@@ -3037,8 +3223,8 @@
         </p:nvSpPr>
         <p:spPr>
           <a:xfrm>
-            <a:off x="762000" y="228600"/>
-            <a:ext cx="9144000" cy="304800"/>
+            <a:off x="304800" y="228600"/>
+            <a:ext cx="9671532" cy="304800"/>
           </a:xfrm>
           <a:prstGeom prst="rect">
             <a:avLst/>
@@ -3083,8 +3269,8 @@
         </p:nvSpPr>
         <p:spPr>
           <a:xfrm>
-            <a:off x="838200" y="4267200"/>
-            <a:ext cx="2590800" cy="2667000"/>
+            <a:off x="381000" y="4267200"/>
+            <a:ext cx="2667000" cy="2667000"/>
           </a:xfrm>
           <a:prstGeom prst="rect">
             <a:avLst/>
@@ -3158,7 +3344,7 @@
         </p:nvSpPr>
         <p:spPr>
           <a:xfrm>
-            <a:off x="3504362" y="4191000"/>
+            <a:off x="3124200" y="4191000"/>
             <a:ext cx="304799" cy="2743200"/>
           </a:xfrm>
           <a:prstGeom prst="rect">
@@ -3204,8 +3390,8 @@
         </p:nvSpPr>
         <p:spPr>
           <a:xfrm>
-            <a:off x="762000" y="3886200"/>
-            <a:ext cx="3048000" cy="304800"/>
+            <a:off x="304800" y="3886200"/>
+            <a:ext cx="3124200" cy="304800"/>
           </a:xfrm>
           <a:prstGeom prst="rect">
             <a:avLst/>
@@ -3250,7 +3436,7 @@
         </p:nvSpPr>
         <p:spPr>
           <a:xfrm>
-            <a:off x="7772400" y="535912"/>
+            <a:off x="7696200" y="533400"/>
             <a:ext cx="304800" cy="6398288"/>
           </a:xfrm>
           <a:prstGeom prst="rect">
@@ -3296,7 +3482,7 @@
         </p:nvSpPr>
         <p:spPr>
           <a:xfrm>
-            <a:off x="6097677" y="4798088"/>
+            <a:off x="6019800" y="4800600"/>
             <a:ext cx="304799" cy="2133600"/>
           </a:xfrm>
           <a:prstGeom prst="rect">
@@ -3342,7 +3528,7 @@
         </p:nvSpPr>
         <p:spPr>
           <a:xfrm>
-            <a:off x="6402476" y="5102888"/>
+            <a:off x="6324600" y="5105400"/>
             <a:ext cx="1371600" cy="1828800"/>
           </a:xfrm>
           <a:prstGeom prst="rect">
@@ -3412,7 +3598,7 @@
         </p:nvSpPr>
         <p:spPr>
           <a:xfrm rot="5400000">
-            <a:off x="6930852" y="4264688"/>
+            <a:off x="6858000" y="4267200"/>
             <a:ext cx="304800" cy="1371600"/>
           </a:xfrm>
           <a:prstGeom prst="rect">
@@ -3458,8 +3644,8 @@
         </p:nvSpPr>
         <p:spPr>
           <a:xfrm>
-            <a:off x="3892892" y="6705600"/>
-            <a:ext cx="2133600" cy="152400"/>
+            <a:off x="3581400" y="6705600"/>
+            <a:ext cx="2286000" cy="152400"/>
           </a:xfrm>
           <a:prstGeom prst="rect">
             <a:avLst/>
@@ -3498,7 +3684,7 @@
                   <a:srgbClr val="002060"/>
                 </a:solidFill>
               </a:rPr>
-              <a:t>28” Door</a:t>
+              <a:t>30” Door</a:t>
             </a:r>
           </a:p>
         </p:txBody>
@@ -3517,8 +3703,8 @@
         </p:nvSpPr>
         <p:spPr>
           <a:xfrm>
-            <a:off x="3817530" y="6629400"/>
-            <a:ext cx="66993" cy="304800"/>
+            <a:off x="3429000" y="6629400"/>
+            <a:ext cx="144855" cy="304800"/>
           </a:xfrm>
           <a:prstGeom prst="rect">
             <a:avLst/>
@@ -3563,8 +3749,8 @@
         </p:nvSpPr>
         <p:spPr>
           <a:xfrm>
-            <a:off x="6018123" y="6629400"/>
-            <a:ext cx="66993" cy="304800"/>
+            <a:off x="5867400" y="6629400"/>
+            <a:ext cx="152400" cy="304800"/>
           </a:xfrm>
           <a:prstGeom prst="rect">
             <a:avLst/>
@@ -3609,7 +3795,7 @@
         </p:nvSpPr>
         <p:spPr>
           <a:xfrm>
-            <a:off x="762000" y="533400"/>
+            <a:off x="304800" y="533400"/>
             <a:ext cx="1215434" cy="3352800"/>
           </a:xfrm>
           <a:prstGeom prst="rect">
@@ -3670,7 +3856,7 @@
         </p:nvSpPr>
         <p:spPr>
           <a:xfrm>
-            <a:off x="6551523" y="533400"/>
+            <a:off x="6477000" y="533400"/>
             <a:ext cx="1215434" cy="4256314"/>
           </a:xfrm>
           <a:prstGeom prst="rect">
@@ -3731,8 +3917,8 @@
         </p:nvSpPr>
         <p:spPr>
           <a:xfrm rot="16200000">
-            <a:off x="3809162" y="-1294561"/>
-            <a:ext cx="914399" cy="4570323"/>
+            <a:off x="3543301" y="-1485902"/>
+            <a:ext cx="914399" cy="4953001"/>
           </a:xfrm>
           <a:prstGeom prst="rect">
             <a:avLst/>
@@ -3792,8 +3978,8 @@
         </p:nvSpPr>
         <p:spPr>
           <a:xfrm rot="5400000">
-            <a:off x="8845480" y="5873680"/>
-            <a:ext cx="304800" cy="1816240"/>
+            <a:off x="8839200" y="5791200"/>
+            <a:ext cx="304800" cy="1981200"/>
           </a:xfrm>
           <a:prstGeom prst="rect">
             <a:avLst/>
@@ -3838,8 +4024,8 @@
         </p:nvSpPr>
         <p:spPr>
           <a:xfrm>
-            <a:off x="9601201" y="6940550"/>
-            <a:ext cx="304799" cy="457200"/>
+            <a:off x="9677400" y="6934200"/>
+            <a:ext cx="304800" cy="457200"/>
           </a:xfrm>
           <a:prstGeom prst="rect">
             <a:avLst/>
@@ -3872,52 +4058,6 @@
       </p:sp>
       <p:sp>
         <p:nvSpPr>
-          <p:cNvPr id="22" name="Rectangle 21">
-            <a:extLst>
-              <a:ext uri="{FF2B5EF4-FFF2-40B4-BE49-F238E27FC236}">
-                <a16:creationId xmlns:a16="http://schemas.microsoft.com/office/drawing/2014/main" id="{F9E03143-5340-4598-89C2-50AD8D2B3DD8}"/>
-              </a:ext>
-            </a:extLst>
-          </p:cNvPr>
-          <p:cNvSpPr/>
-          <p:nvPr/>
-        </p:nvSpPr>
-        <p:spPr>
-          <a:xfrm rot="5400000">
-            <a:off x="152400" y="6629400"/>
-            <a:ext cx="304800" cy="304800"/>
-          </a:xfrm>
-          <a:prstGeom prst="rect">
-            <a:avLst/>
-          </a:prstGeom>
-        </p:spPr>
-        <p:style>
-          <a:lnRef idx="2">
-            <a:schemeClr val="accent1">
-              <a:shade val="50000"/>
-            </a:schemeClr>
-          </a:lnRef>
-          <a:fillRef idx="1">
-            <a:schemeClr val="accent1"/>
-          </a:fillRef>
-          <a:effectRef idx="0">
-            <a:schemeClr val="accent1"/>
-          </a:effectRef>
-          <a:fontRef idx="minor">
-            <a:schemeClr val="lt1"/>
-          </a:fontRef>
-        </p:style>
-        <p:txBody>
-          <a:bodyPr rtlCol="0" anchor="ctr"/>
-          <a:lstStyle/>
-          <a:p>
-            <a:pPr algn="ctr"/>
-            <a:endParaRPr lang="en-US" sz="2207"/>
-          </a:p>
-        </p:txBody>
-      </p:sp>
-      <p:sp>
-        <p:nvSpPr>
           <p:cNvPr id="23" name="Rectangle 22">
             <a:extLst>
               <a:ext uri="{FF2B5EF4-FFF2-40B4-BE49-F238E27FC236}">
@@ -3930,7 +4070,7 @@
         </p:nvSpPr>
         <p:spPr>
           <a:xfrm>
-            <a:off x="8089760" y="3882362"/>
+            <a:off x="8001000" y="3886200"/>
             <a:ext cx="1822108" cy="2740688"/>
           </a:xfrm>
           <a:prstGeom prst="rect">
@@ -3981,7 +4121,7 @@
                   <a:srgbClr val="002060"/>
                 </a:solidFill>
               </a:rPr>
-              <a:t>Kitchen Cabinet</a:t>
+              <a:t>Cabinet</a:t>
             </a:r>
           </a:p>
           <a:p>
@@ -4011,7 +4151,7 @@
         </p:nvSpPr>
         <p:spPr>
           <a:xfrm>
-            <a:off x="8197011" y="689777"/>
+            <a:off x="8077200" y="689777"/>
             <a:ext cx="1215434" cy="3040045"/>
           </a:xfrm>
           <a:prstGeom prst="rect">
